--- a/13) .Net MAUI/Primer App MAUI Blazor Híbrida (2024).pptx
+++ b/13) .Net MAUI/Primer App MAUI Blazor Híbrida (2024).pptx
@@ -5,7 +5,7 @@
     <p:sldMasterId id="2147483648" r:id="rId1"/>
   </p:sldMasterIdLst>
   <p:notesMasterIdLst>
-    <p:notesMasterId r:id="rId13"/>
+    <p:notesMasterId r:id="rId17"/>
   </p:notesMasterIdLst>
   <p:sldIdLst>
     <p:sldId id="259" r:id="rId2"/>
@@ -18,7 +18,11 @@
     <p:sldId id="272" r:id="rId9"/>
     <p:sldId id="273" r:id="rId10"/>
     <p:sldId id="274" r:id="rId11"/>
-    <p:sldId id="265" r:id="rId12"/>
+    <p:sldId id="276" r:id="rId12"/>
+    <p:sldId id="275" r:id="rId13"/>
+    <p:sldId id="277" r:id="rId14"/>
+    <p:sldId id="278" r:id="rId15"/>
+    <p:sldId id="265" r:id="rId16"/>
   </p:sldIdLst>
   <p:sldSz cx="24384000" cy="13716000"/>
   <p:notesSz cx="6858000" cy="9144000"/>
@@ -998,7 +1002,7 @@
           </a:ln>
           <a:extLst>
             <a:ext uri="{C572A759-6A51-4108-AA02-DFA0A04FC94B}">
-              <ma14:wrappingTextBoxFlag xmlns="" xmlns:ma14="http://schemas.microsoft.com/office/mac/drawingml/2011/main" val="1"/>
+              <ma14:wrappingTextBoxFlag xmlns:ma14="http://schemas.microsoft.com/office/mac/drawingml/2011/main" xmlns="" val="1"/>
             </a:ext>
           </a:extLst>
         </p:spPr>
@@ -1037,7 +1041,7 @@
           </a:ln>
           <a:extLst>
             <a:ext uri="{C572A759-6A51-4108-AA02-DFA0A04FC94B}">
-              <ma14:wrappingTextBoxFlag xmlns="" xmlns:ma14="http://schemas.microsoft.com/office/mac/drawingml/2011/main" val="1"/>
+              <ma14:wrappingTextBoxFlag xmlns:ma14="http://schemas.microsoft.com/office/mac/drawingml/2011/main" xmlns="" val="1"/>
             </a:ext>
           </a:extLst>
         </p:spPr>
@@ -2231,6 +2235,464 @@
       </p:grpSpPr>
       <p:sp>
         <p:nvSpPr>
+          <p:cNvPr id="3" name="Marcador de texto 2">
+            <a:extLst>
+              <a:ext uri="{FF2B5EF4-FFF2-40B4-BE49-F238E27FC236}">
+                <a16:creationId xmlns:a16="http://schemas.microsoft.com/office/drawing/2014/main" id="{2716B7AD-09D5-2A8B-E65D-55F030BD46B8}"/>
+              </a:ext>
+            </a:extLst>
+          </p:cNvPr>
+          <p:cNvSpPr>
+            <a:spLocks noGrp="1"/>
+          </p:cNvSpPr>
+          <p:nvPr>
+            <p:ph type="body" sz="quarter" idx="14"/>
+          </p:nvPr>
+        </p:nvSpPr>
+        <p:spPr>
+          <a:xfrm>
+            <a:off x="2953808" y="5213442"/>
+            <a:ext cx="18476383" cy="2203252"/>
+          </a:xfrm>
+        </p:spPr>
+        <p:txBody>
+          <a:bodyPr>
+            <a:normAutofit fontScale="92500"/>
+          </a:bodyPr>
+          <a:lstStyle/>
+          <a:p>
+            <a:pPr algn="ctr"/>
+            <a:r>
+              <a:rPr lang="es-CR" dirty="0">
+                <a:effectLst>
+                  <a:outerShdw blurRad="38100" dist="38100" dir="2700000" algn="tl">
+                    <a:srgbClr val="000000">
+                      <a:alpha val="43137"/>
+                    </a:srgbClr>
+                  </a:outerShdw>
+                </a:effectLst>
+              </a:rPr>
+              <a:t>Probamos hacer algunos cambios</a:t>
+            </a:r>
+          </a:p>
+        </p:txBody>
+      </p:sp>
+    </p:spTree>
+    <p:extLst>
+      <p:ext uri="{BB962C8B-B14F-4D97-AF65-F5344CB8AC3E}">
+        <p14:creationId xmlns:p14="http://schemas.microsoft.com/office/powerpoint/2010/main" val="3919143286"/>
+      </p:ext>
+    </p:extLst>
+  </p:cSld>
+  <p:clrMapOvr>
+    <a:masterClrMapping/>
+  </p:clrMapOvr>
+  <p:transition spd="med"/>
+</p:sld>
+</file>
+
+<file path=ppt/slides/slide12.xml><?xml version="1.0" encoding="utf-8"?>
+<p:sld xmlns:a="http://schemas.openxmlformats.org/drawingml/2006/main" xmlns:r="http://schemas.openxmlformats.org/officeDocument/2006/relationships" xmlns:p="http://schemas.openxmlformats.org/presentationml/2006/main">
+  <p:cSld>
+    <p:spTree>
+      <p:nvGrpSpPr>
+        <p:cNvPr id="1" name=""/>
+        <p:cNvGrpSpPr/>
+        <p:nvPr/>
+      </p:nvGrpSpPr>
+      <p:grpSpPr>
+        <a:xfrm>
+          <a:off x="0" y="0"/>
+          <a:ext cx="0" cy="0"/>
+          <a:chOff x="0" y="0"/>
+          <a:chExt cx="0" cy="0"/>
+        </a:xfrm>
+      </p:grpSpPr>
+      <p:sp>
+        <p:nvSpPr>
+          <p:cNvPr id="3" name="Marcador de texto 2">
+            <a:extLst>
+              <a:ext uri="{FF2B5EF4-FFF2-40B4-BE49-F238E27FC236}">
+                <a16:creationId xmlns:a16="http://schemas.microsoft.com/office/drawing/2014/main" id="{9DCC41F9-537F-A0AD-1357-054C0AEA22A5}"/>
+              </a:ext>
+            </a:extLst>
+          </p:cNvPr>
+          <p:cNvSpPr>
+            <a:spLocks noGrp="1"/>
+          </p:cNvSpPr>
+          <p:nvPr>
+            <p:ph type="body" sz="quarter" idx="14"/>
+          </p:nvPr>
+        </p:nvSpPr>
+        <p:spPr>
+          <a:xfrm>
+            <a:off x="769362" y="720955"/>
+            <a:ext cx="18476383" cy="2203252"/>
+          </a:xfrm>
+        </p:spPr>
+        <p:txBody>
+          <a:bodyPr>
+            <a:normAutofit fontScale="70000" lnSpcReduction="20000"/>
+          </a:bodyPr>
+          <a:lstStyle/>
+          <a:p>
+            <a:r>
+              <a:rPr lang="es-CR" dirty="0">
+                <a:effectLst>
+                  <a:outerShdw blurRad="38100" dist="38100" dir="2700000" algn="tl">
+                    <a:srgbClr val="000000">
+                      <a:alpha val="43137"/>
+                    </a:srgbClr>
+                  </a:outerShdw>
+                </a:effectLst>
+              </a:rPr>
+              <a:t>Modificamos la página Home </a:t>
+            </a:r>
+          </a:p>
+          <a:p>
+            <a:r>
+              <a:rPr lang="es-CR" dirty="0">
+                <a:effectLst>
+                  <a:outerShdw blurRad="38100" dist="38100" dir="2700000" algn="tl">
+                    <a:srgbClr val="000000">
+                      <a:alpha val="43137"/>
+                    </a:srgbClr>
+                  </a:outerShdw>
+                </a:effectLst>
+              </a:rPr>
+              <a:t>y agregamos un Hola Mundo</a:t>
+            </a:r>
+          </a:p>
+        </p:txBody>
+      </p:sp>
+      <p:pic>
+        <p:nvPicPr>
+          <p:cNvPr id="8" name="Imagen 7">
+            <a:extLst>
+              <a:ext uri="{FF2B5EF4-FFF2-40B4-BE49-F238E27FC236}">
+                <a16:creationId xmlns:a16="http://schemas.microsoft.com/office/drawing/2014/main" id="{5FE93DD8-781E-E8E2-343B-B80401A81473}"/>
+              </a:ext>
+            </a:extLst>
+          </p:cNvPr>
+          <p:cNvPicPr>
+            <a:picLocks noChangeAspect="1"/>
+          </p:cNvPicPr>
+          <p:nvPr/>
+        </p:nvPicPr>
+        <p:blipFill>
+          <a:blip r:embed="rId2"/>
+          <a:stretch>
+            <a:fillRect/>
+          </a:stretch>
+        </p:blipFill>
+        <p:spPr>
+          <a:xfrm>
+            <a:off x="324777" y="4533812"/>
+            <a:ext cx="21070759" cy="8894188"/>
+          </a:xfrm>
+          <a:prstGeom prst="rect">
+            <a:avLst/>
+          </a:prstGeom>
+        </p:spPr>
+      </p:pic>
+      <p:pic>
+        <p:nvPicPr>
+          <p:cNvPr id="5" name="Imagen 4">
+            <a:extLst>
+              <a:ext uri="{FF2B5EF4-FFF2-40B4-BE49-F238E27FC236}">
+                <a16:creationId xmlns:a16="http://schemas.microsoft.com/office/drawing/2014/main" id="{84EB4397-5F5E-0480-0CCC-0DE030F61881}"/>
+              </a:ext>
+            </a:extLst>
+          </p:cNvPr>
+          <p:cNvPicPr>
+            <a:picLocks noChangeAspect="1"/>
+          </p:cNvPicPr>
+          <p:nvPr/>
+        </p:nvPicPr>
+        <p:blipFill rotWithShape="1">
+          <a:blip r:embed="rId3"/>
+          <a:srcRect l="81615" b="17667"/>
+          <a:stretch/>
+        </p:blipFill>
+        <p:spPr>
+          <a:xfrm>
+            <a:off x="18955991" y="0"/>
+            <a:ext cx="5428009" cy="7103223"/>
+          </a:xfrm>
+          <a:prstGeom prst="rect">
+            <a:avLst/>
+          </a:prstGeom>
+        </p:spPr>
+      </p:pic>
+    </p:spTree>
+    <p:extLst>
+      <p:ext uri="{BB962C8B-B14F-4D97-AF65-F5344CB8AC3E}">
+        <p14:creationId xmlns:p14="http://schemas.microsoft.com/office/powerpoint/2010/main" val="541079645"/>
+      </p:ext>
+    </p:extLst>
+  </p:cSld>
+  <p:clrMapOvr>
+    <a:masterClrMapping/>
+  </p:clrMapOvr>
+  <p:transition spd="med"/>
+</p:sld>
+</file>
+
+<file path=ppt/slides/slide13.xml><?xml version="1.0" encoding="utf-8"?>
+<p:sld xmlns:a="http://schemas.openxmlformats.org/drawingml/2006/main" xmlns:r="http://schemas.openxmlformats.org/officeDocument/2006/relationships" xmlns:p="http://schemas.openxmlformats.org/presentationml/2006/main">
+  <p:cSld>
+    <p:spTree>
+      <p:nvGrpSpPr>
+        <p:cNvPr id="1" name=""/>
+        <p:cNvGrpSpPr/>
+        <p:nvPr/>
+      </p:nvGrpSpPr>
+      <p:grpSpPr>
+        <a:xfrm>
+          <a:off x="0" y="0"/>
+          <a:ext cx="0" cy="0"/>
+          <a:chOff x="0" y="0"/>
+          <a:chExt cx="0" cy="0"/>
+        </a:xfrm>
+      </p:grpSpPr>
+      <p:sp>
+        <p:nvSpPr>
+          <p:cNvPr id="3" name="Marcador de texto 2">
+            <a:extLst>
+              <a:ext uri="{FF2B5EF4-FFF2-40B4-BE49-F238E27FC236}">
+                <a16:creationId xmlns:a16="http://schemas.microsoft.com/office/drawing/2014/main" id="{9DCC41F9-537F-A0AD-1357-054C0AEA22A5}"/>
+              </a:ext>
+            </a:extLst>
+          </p:cNvPr>
+          <p:cNvSpPr>
+            <a:spLocks noGrp="1"/>
+          </p:cNvSpPr>
+          <p:nvPr>
+            <p:ph type="body" sz="quarter" idx="14"/>
+          </p:nvPr>
+        </p:nvSpPr>
+        <p:spPr>
+          <a:xfrm>
+            <a:off x="769362" y="720955"/>
+            <a:ext cx="18476383" cy="2203252"/>
+          </a:xfrm>
+        </p:spPr>
+        <p:txBody>
+          <a:bodyPr>
+            <a:normAutofit fontScale="70000" lnSpcReduction="20000"/>
+          </a:bodyPr>
+          <a:lstStyle/>
+          <a:p>
+            <a:r>
+              <a:rPr lang="es-CR" dirty="0">
+                <a:effectLst>
+                  <a:outerShdw blurRad="38100" dist="38100" dir="2700000" algn="tl">
+                    <a:srgbClr val="000000">
+                      <a:alpha val="43137"/>
+                    </a:srgbClr>
+                  </a:outerShdw>
+                </a:effectLst>
+              </a:rPr>
+              <a:t>Modificamos la página Home </a:t>
+            </a:r>
+          </a:p>
+          <a:p>
+            <a:r>
+              <a:rPr lang="es-CR" dirty="0">
+                <a:effectLst>
+                  <a:outerShdw blurRad="38100" dist="38100" dir="2700000" algn="tl">
+                    <a:srgbClr val="000000">
+                      <a:alpha val="43137"/>
+                    </a:srgbClr>
+                  </a:outerShdw>
+                </a:effectLst>
+              </a:rPr>
+              <a:t>y agregamos un Hola Mundo #2</a:t>
+            </a:r>
+          </a:p>
+        </p:txBody>
+      </p:sp>
+      <p:pic>
+        <p:nvPicPr>
+          <p:cNvPr id="4" name="Imagen 3">
+            <a:extLst>
+              <a:ext uri="{FF2B5EF4-FFF2-40B4-BE49-F238E27FC236}">
+                <a16:creationId xmlns:a16="http://schemas.microsoft.com/office/drawing/2014/main" id="{9156A829-8EDB-6F3D-5727-3B1D6CE5F415}"/>
+              </a:ext>
+            </a:extLst>
+          </p:cNvPr>
+          <p:cNvPicPr>
+            <a:picLocks noChangeAspect="1"/>
+          </p:cNvPicPr>
+          <p:nvPr/>
+        </p:nvPicPr>
+        <p:blipFill>
+          <a:blip r:embed="rId2"/>
+          <a:stretch>
+            <a:fillRect/>
+          </a:stretch>
+        </p:blipFill>
+        <p:spPr>
+          <a:xfrm>
+            <a:off x="600029" y="3202957"/>
+            <a:ext cx="23183942" cy="10334138"/>
+          </a:xfrm>
+          <a:prstGeom prst="rect">
+            <a:avLst/>
+          </a:prstGeom>
+        </p:spPr>
+      </p:pic>
+    </p:spTree>
+    <p:extLst>
+      <p:ext uri="{BB962C8B-B14F-4D97-AF65-F5344CB8AC3E}">
+        <p14:creationId xmlns:p14="http://schemas.microsoft.com/office/powerpoint/2010/main" val="125483841"/>
+      </p:ext>
+    </p:extLst>
+  </p:cSld>
+  <p:clrMapOvr>
+    <a:masterClrMapping/>
+  </p:clrMapOvr>
+  <p:transition spd="med"/>
+</p:sld>
+</file>
+
+<file path=ppt/slides/slide14.xml><?xml version="1.0" encoding="utf-8"?>
+<p:sld xmlns:a="http://schemas.openxmlformats.org/drawingml/2006/main" xmlns:r="http://schemas.openxmlformats.org/officeDocument/2006/relationships" xmlns:p="http://schemas.openxmlformats.org/presentationml/2006/main">
+  <p:cSld>
+    <p:spTree>
+      <p:nvGrpSpPr>
+        <p:cNvPr id="1" name=""/>
+        <p:cNvGrpSpPr/>
+        <p:nvPr/>
+      </p:nvGrpSpPr>
+      <p:grpSpPr>
+        <a:xfrm>
+          <a:off x="0" y="0"/>
+          <a:ext cx="0" cy="0"/>
+          <a:chOff x="0" y="0"/>
+          <a:chExt cx="0" cy="0"/>
+        </a:xfrm>
+      </p:grpSpPr>
+      <p:sp>
+        <p:nvSpPr>
+          <p:cNvPr id="3" name="Marcador de texto 2">
+            <a:extLst>
+              <a:ext uri="{FF2B5EF4-FFF2-40B4-BE49-F238E27FC236}">
+                <a16:creationId xmlns:a16="http://schemas.microsoft.com/office/drawing/2014/main" id="{9DCC41F9-537F-A0AD-1357-054C0AEA22A5}"/>
+              </a:ext>
+            </a:extLst>
+          </p:cNvPr>
+          <p:cNvSpPr>
+            <a:spLocks noGrp="1"/>
+          </p:cNvSpPr>
+          <p:nvPr>
+            <p:ph type="body" sz="quarter" idx="14"/>
+          </p:nvPr>
+        </p:nvSpPr>
+        <p:spPr>
+          <a:xfrm>
+            <a:off x="769362" y="720955"/>
+            <a:ext cx="18476383" cy="2203252"/>
+          </a:xfrm>
+        </p:spPr>
+        <p:txBody>
+          <a:bodyPr>
+            <a:normAutofit fontScale="70000" lnSpcReduction="20000"/>
+          </a:bodyPr>
+          <a:lstStyle/>
+          <a:p>
+            <a:r>
+              <a:rPr lang="es-CR" dirty="0">
+                <a:effectLst>
+                  <a:outerShdw blurRad="38100" dist="38100" dir="2700000" algn="tl">
+                    <a:srgbClr val="000000">
+                      <a:alpha val="43137"/>
+                    </a:srgbClr>
+                  </a:outerShdw>
+                </a:effectLst>
+              </a:rPr>
+              <a:t>Modificamos la página Home </a:t>
+            </a:r>
+          </a:p>
+          <a:p>
+            <a:r>
+              <a:rPr lang="es-CR" dirty="0">
+                <a:effectLst>
+                  <a:outerShdw blurRad="38100" dist="38100" dir="2700000" algn="tl">
+                    <a:srgbClr val="000000">
+                      <a:alpha val="43137"/>
+                    </a:srgbClr>
+                  </a:outerShdw>
+                </a:effectLst>
+              </a:rPr>
+              <a:t>y agregamos un Hola Mundo #3</a:t>
+            </a:r>
+          </a:p>
+        </p:txBody>
+      </p:sp>
+      <p:pic>
+        <p:nvPicPr>
+          <p:cNvPr id="5" name="Imagen 4">
+            <a:extLst>
+              <a:ext uri="{FF2B5EF4-FFF2-40B4-BE49-F238E27FC236}">
+                <a16:creationId xmlns:a16="http://schemas.microsoft.com/office/drawing/2014/main" id="{48304627-1DAA-8B82-592A-8673A104F7B4}"/>
+              </a:ext>
+            </a:extLst>
+          </p:cNvPr>
+          <p:cNvPicPr>
+            <a:picLocks noChangeAspect="1"/>
+          </p:cNvPicPr>
+          <p:nvPr/>
+        </p:nvPicPr>
+        <p:blipFill>
+          <a:blip r:embed="rId2"/>
+          <a:stretch>
+            <a:fillRect/>
+          </a:stretch>
+        </p:blipFill>
+        <p:spPr>
+          <a:xfrm>
+            <a:off x="2929363" y="3881591"/>
+            <a:ext cx="18525274" cy="9252602"/>
+          </a:xfrm>
+          <a:prstGeom prst="rect">
+            <a:avLst/>
+          </a:prstGeom>
+        </p:spPr>
+      </p:pic>
+    </p:spTree>
+    <p:extLst>
+      <p:ext uri="{BB962C8B-B14F-4D97-AF65-F5344CB8AC3E}">
+        <p14:creationId xmlns:p14="http://schemas.microsoft.com/office/powerpoint/2010/main" val="1383008504"/>
+      </p:ext>
+    </p:extLst>
+  </p:cSld>
+  <p:clrMapOvr>
+    <a:masterClrMapping/>
+  </p:clrMapOvr>
+  <p:transition spd="med"/>
+</p:sld>
+</file>
+
+<file path=ppt/slides/slide15.xml><?xml version="1.0" encoding="utf-8"?>
+<p:sld xmlns:a="http://schemas.openxmlformats.org/drawingml/2006/main" xmlns:r="http://schemas.openxmlformats.org/officeDocument/2006/relationships" xmlns:p="http://schemas.openxmlformats.org/presentationml/2006/main">
+  <p:cSld>
+    <p:spTree>
+      <p:nvGrpSpPr>
+        <p:cNvPr id="1" name=""/>
+        <p:cNvGrpSpPr/>
+        <p:nvPr/>
+      </p:nvGrpSpPr>
+      <p:grpSpPr>
+        <a:xfrm>
+          <a:off x="0" y="0"/>
+          <a:ext cx="0" cy="0"/>
+          <a:chOff x="0" y="0"/>
+          <a:chExt cx="0" cy="0"/>
+        </a:xfrm>
+      </p:grpSpPr>
+      <p:sp>
+        <p:nvSpPr>
           <p:cNvPr id="139" name="GRACIAS"/>
           <p:cNvSpPr>
             <a:spLocks noGrp="1"/>
@@ -2788,7 +3250,7 @@
           </a:ln>
           <a:extLst>
             <a:ext uri="{C572A759-6A51-4108-AA02-DFA0A04FC94B}">
-              <ma14:wrappingTextBoxFlag xmlns="" xmlns:ma14="http://schemas.microsoft.com/office/mac/drawingml/2011/main" val="1"/>
+              <ma14:wrappingTextBoxFlag xmlns:ma14="http://schemas.microsoft.com/office/mac/drawingml/2011/main" xmlns="" val="1"/>
             </a:ext>
           </a:extLst>
         </p:spPr>
@@ -3163,7 +3625,7 @@
           </a:ln>
           <a:extLst>
             <a:ext uri="{C572A759-6A51-4108-AA02-DFA0A04FC94B}">
-              <ma14:wrappingTextBoxFlag xmlns="" xmlns:ma14="http://schemas.microsoft.com/office/mac/drawingml/2011/main" val="1"/>
+              <ma14:wrappingTextBoxFlag xmlns:ma14="http://schemas.microsoft.com/office/mac/drawingml/2011/main" xmlns="" val="1"/>
             </a:ext>
           </a:extLst>
         </p:spPr>

--- a/13) .Net MAUI/Primer App MAUI Blazor Híbrida (2024).pptx
+++ b/13) .Net MAUI/Primer App MAUI Blazor Híbrida (2024).pptx
@@ -1002,7 +1002,7 @@
           </a:ln>
           <a:extLst>
             <a:ext uri="{C572A759-6A51-4108-AA02-DFA0A04FC94B}">
-              <ma14:wrappingTextBoxFlag xmlns:ma14="http://schemas.microsoft.com/office/mac/drawingml/2011/main" xmlns="" val="1"/>
+              <ma14:wrappingTextBoxFlag xmlns="" xmlns:ma14="http://schemas.microsoft.com/office/mac/drawingml/2011/main" val="1"/>
             </a:ext>
           </a:extLst>
         </p:spPr>
@@ -1041,7 +1041,7 @@
           </a:ln>
           <a:extLst>
             <a:ext uri="{C572A759-6A51-4108-AA02-DFA0A04FC94B}">
-              <ma14:wrappingTextBoxFlag xmlns:ma14="http://schemas.microsoft.com/office/mac/drawingml/2011/main" xmlns="" val="1"/>
+              <ma14:wrappingTextBoxFlag xmlns="" xmlns:ma14="http://schemas.microsoft.com/office/mac/drawingml/2011/main" val="1"/>
             </a:ext>
           </a:extLst>
         </p:spPr>
@@ -3250,7 +3250,7 @@
           </a:ln>
           <a:extLst>
             <a:ext uri="{C572A759-6A51-4108-AA02-DFA0A04FC94B}">
-              <ma14:wrappingTextBoxFlag xmlns:ma14="http://schemas.microsoft.com/office/mac/drawingml/2011/main" xmlns="" val="1"/>
+              <ma14:wrappingTextBoxFlag xmlns="" xmlns:ma14="http://schemas.microsoft.com/office/mac/drawingml/2011/main" val="1"/>
             </a:ext>
           </a:extLst>
         </p:spPr>
@@ -3625,7 +3625,7 @@
           </a:ln>
           <a:extLst>
             <a:ext uri="{C572A759-6A51-4108-AA02-DFA0A04FC94B}">
-              <ma14:wrappingTextBoxFlag xmlns:ma14="http://schemas.microsoft.com/office/mac/drawingml/2011/main" xmlns="" val="1"/>
+              <ma14:wrappingTextBoxFlag xmlns="" xmlns:ma14="http://schemas.microsoft.com/office/mac/drawingml/2011/main" val="1"/>
             </a:ext>
           </a:extLst>
         </p:spPr>
